--- a/Livro.pptx
+++ b/Livro.pptx
@@ -2972,7 +2972,7 @@
         </p:nvSpPr>
         <p:spPr>
           <a:xfrm>
-            <a:off x="4965562" y="2967335"/>
+            <a:off x="2820568" y="1446568"/>
             <a:ext cx="2260876" cy="1323439"/>
           </a:xfrm>
           <a:prstGeom prst="rect">
@@ -3027,7 +3027,7 @@
         </p:nvSpPr>
         <p:spPr>
           <a:xfrm>
-            <a:off x="135408" y="215590"/>
+            <a:off x="8441920" y="523238"/>
             <a:ext cx="1616148" cy="923330"/>
           </a:xfrm>
           <a:prstGeom prst="rect">
@@ -3077,6 +3077,142 @@
           </a:p>
         </p:txBody>
       </p:sp>
+      <p:sp>
+        <p:nvSpPr>
+          <p:cNvPr id="9" name="Retângulo 8"/>
+          <p:cNvSpPr/>
+          <p:nvPr/>
+        </p:nvSpPr>
+        <p:spPr>
+          <a:xfrm>
+            <a:off x="8486062" y="1753832"/>
+            <a:ext cx="1697581" cy="923330"/>
+          </a:xfrm>
+          <a:prstGeom prst="rect">
+            <a:avLst/>
+          </a:prstGeom>
+          <a:noFill/>
+        </p:spPr>
+        <p:txBody>
+          <a:bodyPr wrap="none" lIns="91440" tIns="45720" rIns="91440" bIns="45720">
+            <a:spAutoFit/>
+          </a:bodyPr>
+          <a:lstStyle/>
+          <a:p>
+            <a:pPr algn="ctr"/>
+            <a:r>
+              <a:rPr lang="pt-BR" sz="5400" b="1" dirty="0" smtClean="0">
+                <a:ln w="0"/>
+                <a:solidFill>
+                  <a:schemeClr val="accent1"/>
+                </a:solidFill>
+                <a:effectLst>
+                  <a:outerShdw blurRad="38100" dist="25400" dir="5400000" algn="ctr" rotWithShape="0">
+                    <a:srgbClr val="6E747A">
+                      <a:alpha val="43000"/>
+                    </a:srgbClr>
+                  </a:outerShdw>
+                </a:effectLst>
+                <a:latin typeface="Adobe Garamond Pro Bold" panose="02020702060506020403" pitchFamily="18" charset="0"/>
+                <a:hlinkClick r:id="rId3" action="ppaction://hlinkfile"/>
+              </a:rPr>
+              <a:t>Cap2</a:t>
+            </a:r>
+            <a:endParaRPr lang="pt-BR" sz="5400" b="1" dirty="0">
+              <a:ln w="0"/>
+              <a:solidFill>
+                <a:schemeClr val="accent1"/>
+              </a:solidFill>
+              <a:effectLst>
+                <a:outerShdw blurRad="38100" dist="25400" dir="5400000" algn="ctr" rotWithShape="0">
+                  <a:srgbClr val="6E747A">
+                    <a:alpha val="43000"/>
+                  </a:srgbClr>
+                </a:outerShdw>
+              </a:effectLst>
+              <a:latin typeface="Adobe Garamond Pro Bold" panose="02020702060506020403" pitchFamily="18" charset="0"/>
+            </a:endParaRPr>
+          </a:p>
+        </p:txBody>
+      </p:sp>
+      <p:sp>
+        <p:nvSpPr>
+          <p:cNvPr id="10" name="Retângulo 9"/>
+          <p:cNvSpPr/>
+          <p:nvPr/>
+        </p:nvSpPr>
+        <p:spPr>
+          <a:xfrm>
+            <a:off x="8526778" y="3052793"/>
+            <a:ext cx="1616148" cy="923330"/>
+          </a:xfrm>
+          <a:prstGeom prst="rect">
+            <a:avLst/>
+          </a:prstGeom>
+          <a:noFill/>
+        </p:spPr>
+        <p:txBody>
+          <a:bodyPr wrap="none" lIns="91440" tIns="45720" rIns="91440" bIns="45720">
+            <a:spAutoFit/>
+          </a:bodyPr>
+          <a:lstStyle/>
+          <a:p>
+            <a:pPr algn="ctr"/>
+            <a:r>
+              <a:rPr lang="pt-BR" sz="5400" b="1" cap="none" spc="0" dirty="0" smtClean="0">
+                <a:ln w="12700">
+                  <a:solidFill>
+                    <a:schemeClr val="accent1"/>
+                  </a:solidFill>
+                  <a:prstDash val="solid"/>
+                </a:ln>
+                <a:pattFill prst="pct50">
+                  <a:fgClr>
+                    <a:schemeClr val="accent1"/>
+                  </a:fgClr>
+                  <a:bgClr>
+                    <a:schemeClr val="accent1">
+                      <a:lumMod val="20000"/>
+                      <a:lumOff val="80000"/>
+                    </a:schemeClr>
+                  </a:bgClr>
+                </a:pattFill>
+                <a:effectLst>
+                  <a:outerShdw dist="38100" dir="2640000" algn="bl" rotWithShape="0">
+                    <a:schemeClr val="accent1"/>
+                  </a:outerShdw>
+                </a:effectLst>
+                <a:hlinkClick r:id="rId4" action="ppaction://hlinkfile"/>
+              </a:rPr>
+              <a:t>Cap3</a:t>
+            </a:r>
+            <a:endParaRPr lang="pt-BR" sz="5400" b="1" cap="none" spc="0" dirty="0">
+              <a:ln w="12700">
+                <a:solidFill>
+                  <a:schemeClr val="accent1"/>
+                </a:solidFill>
+                <a:prstDash val="solid"/>
+              </a:ln>
+              <a:pattFill prst="pct50">
+                <a:fgClr>
+                  <a:schemeClr val="accent1"/>
+                </a:fgClr>
+                <a:bgClr>
+                  <a:schemeClr val="accent1">
+                    <a:lumMod val="20000"/>
+                    <a:lumOff val="80000"/>
+                  </a:schemeClr>
+                </a:bgClr>
+              </a:pattFill>
+              <a:effectLst>
+                <a:outerShdw dist="38100" dir="2640000" algn="bl" rotWithShape="0">
+                  <a:schemeClr val="accent1"/>
+                </a:outerShdw>
+              </a:effectLst>
+            </a:endParaRPr>
+          </a:p>
+        </p:txBody>
+      </p:sp>
     </p:spTree>
     <p:extLst>
       <p:ext uri="{BB962C8B-B14F-4D97-AF65-F5344CB8AC3E}">
@@ -3087,6 +3223,13 @@
   <p:clrMapOvr>
     <a:masterClrMapping/>
   </p:clrMapOvr>
+  <p:timing>
+    <p:tnLst>
+      <p:par>
+        <p:cTn id="1" dur="indefinite" restart="never" nodeType="tmRoot"/>
+      </p:par>
+    </p:tnLst>
+  </p:timing>
 </p:sld>
 </file>
 
